--- a/docs/diagrams/UndoRedoNewCommand1StateListDiagram.pptx
+++ b/docs/diagrams/UndoRedoNewCommand1StateListDiagram.pptx
@@ -112,10 +112,6 @@
 </p:presentation>
 </file>
 
-<file path=ppt/revisionInfo.xml><?xml version="1.0" encoding="utf-8"?>
-<p1510:revInfo xmlns:a="http://schemas.openxmlformats.org/drawingml/2006/main" xmlns:r="http://schemas.openxmlformats.org/officeDocument/2006/relationships" xmlns:p1510="http://schemas.microsoft.com/office/powerpoint/2015/10/main"/>
-</file>
-
 <file path=ppt/slideLayouts/slideLayout1.xml><?xml version="1.0" encoding="utf-8"?>
 <p:sldLayout xmlns:a="http://schemas.openxmlformats.org/drawingml/2006/main" xmlns:r="http://schemas.openxmlformats.org/officeDocument/2006/relationships" xmlns:p="http://schemas.openxmlformats.org/presentationml/2006/main" type="title" preserve="1">
   <p:cSld name="Title Slide">
@@ -265,7 +261,7 @@
           <a:p>
             <a:fld id="{03EC4E3E-8101-482F-A883-8B55DAFF7C07}" type="datetimeFigureOut">
               <a:rPr lang="en-SG" smtClean="0"/>
-              <a:t>6/7/2018</a:t>
+              <a:t>14/4/19</a:t>
             </a:fld>
             <a:endParaRPr lang="en-SG"/>
           </a:p>
@@ -465,7 +461,7 @@
           <a:p>
             <a:fld id="{03EC4E3E-8101-482F-A883-8B55DAFF7C07}" type="datetimeFigureOut">
               <a:rPr lang="en-SG" smtClean="0"/>
-              <a:t>6/7/2018</a:t>
+              <a:t>14/4/19</a:t>
             </a:fld>
             <a:endParaRPr lang="en-SG"/>
           </a:p>
@@ -675,7 +671,7 @@
           <a:p>
             <a:fld id="{03EC4E3E-8101-482F-A883-8B55DAFF7C07}" type="datetimeFigureOut">
               <a:rPr lang="en-SG" smtClean="0"/>
-              <a:t>6/7/2018</a:t>
+              <a:t>14/4/19</a:t>
             </a:fld>
             <a:endParaRPr lang="en-SG"/>
           </a:p>
@@ -875,7 +871,7 @@
           <a:p>
             <a:fld id="{03EC4E3E-8101-482F-A883-8B55DAFF7C07}" type="datetimeFigureOut">
               <a:rPr lang="en-SG" smtClean="0"/>
-              <a:t>6/7/2018</a:t>
+              <a:t>14/4/19</a:t>
             </a:fld>
             <a:endParaRPr lang="en-SG"/>
           </a:p>
@@ -1151,7 +1147,7 @@
           <a:p>
             <a:fld id="{03EC4E3E-8101-482F-A883-8B55DAFF7C07}" type="datetimeFigureOut">
               <a:rPr lang="en-SG" smtClean="0"/>
-              <a:t>6/7/2018</a:t>
+              <a:t>14/4/19</a:t>
             </a:fld>
             <a:endParaRPr lang="en-SG"/>
           </a:p>
@@ -1419,7 +1415,7 @@
           <a:p>
             <a:fld id="{03EC4E3E-8101-482F-A883-8B55DAFF7C07}" type="datetimeFigureOut">
               <a:rPr lang="en-SG" smtClean="0"/>
-              <a:t>6/7/2018</a:t>
+              <a:t>14/4/19</a:t>
             </a:fld>
             <a:endParaRPr lang="en-SG"/>
           </a:p>
@@ -1834,7 +1830,7 @@
           <a:p>
             <a:fld id="{03EC4E3E-8101-482F-A883-8B55DAFF7C07}" type="datetimeFigureOut">
               <a:rPr lang="en-SG" smtClean="0"/>
-              <a:t>6/7/2018</a:t>
+              <a:t>14/4/19</a:t>
             </a:fld>
             <a:endParaRPr lang="en-SG"/>
           </a:p>
@@ -1976,7 +1972,7 @@
           <a:p>
             <a:fld id="{03EC4E3E-8101-482F-A883-8B55DAFF7C07}" type="datetimeFigureOut">
               <a:rPr lang="en-SG" smtClean="0"/>
-              <a:t>6/7/2018</a:t>
+              <a:t>14/4/19</a:t>
             </a:fld>
             <a:endParaRPr lang="en-SG"/>
           </a:p>
@@ -2089,7 +2085,7 @@
           <a:p>
             <a:fld id="{03EC4E3E-8101-482F-A883-8B55DAFF7C07}" type="datetimeFigureOut">
               <a:rPr lang="en-SG" smtClean="0"/>
-              <a:t>6/7/2018</a:t>
+              <a:t>14/4/19</a:t>
             </a:fld>
             <a:endParaRPr lang="en-SG"/>
           </a:p>
@@ -2402,7 +2398,7 @@
           <a:p>
             <a:fld id="{03EC4E3E-8101-482F-A883-8B55DAFF7C07}" type="datetimeFigureOut">
               <a:rPr lang="en-SG" smtClean="0"/>
-              <a:t>6/7/2018</a:t>
+              <a:t>14/4/19</a:t>
             </a:fld>
             <a:endParaRPr lang="en-SG"/>
           </a:p>
@@ -2691,7 +2687,7 @@
           <a:p>
             <a:fld id="{03EC4E3E-8101-482F-A883-8B55DAFF7C07}" type="datetimeFigureOut">
               <a:rPr lang="en-SG" smtClean="0"/>
-              <a:t>6/7/2018</a:t>
+              <a:t>14/4/19</a:t>
             </a:fld>
             <a:endParaRPr lang="en-SG"/>
           </a:p>
@@ -2934,7 +2930,7 @@
           <a:p>
             <a:fld id="{03EC4E3E-8101-482F-A883-8B55DAFF7C07}" type="datetimeFigureOut">
               <a:rPr lang="en-SG" smtClean="0"/>
-              <a:t>6/7/2018</a:t>
+              <a:t>14/4/19</a:t>
             </a:fld>
             <a:endParaRPr lang="en-SG"/>
           </a:p>
@@ -3410,14 +3406,14 @@
           <p:nvPr>
             <p:extLst>
               <p:ext uri="{D42A27DB-BD31-4B8C-83A1-F6EECF244321}">
-                <p14:modId xmlns:p14="http://schemas.microsoft.com/office/powerpoint/2010/main" val="770650361"/>
+                <p14:modId xmlns:p14="http://schemas.microsoft.com/office/powerpoint/2010/main" val="655514486"/>
               </p:ext>
             </p:extLst>
           </p:nvPr>
         </p:nvGraphicFramePr>
         <p:xfrm>
           <a:off x="473240" y="1476102"/>
-          <a:ext cx="1833356" cy="410363"/>
+          <a:ext cx="1926000" cy="410363"/>
         </p:xfrm>
         <a:graphic>
           <a:graphicData uri="http://schemas.openxmlformats.org/drawingml/2006/table">
@@ -3426,7 +3422,7 @@
                 <a:tableStyleId>{638B1855-1B75-4FBE-930C-398BA8C253C6}</a:tableStyleId>
               </a:tblPr>
               <a:tblGrid>
-                <a:gridCol w="1833356">
+                <a:gridCol w="1926000">
                   <a:extLst>
                     <a:ext uri="{9D8B030D-6E8A-4147-A177-3AD203B41FA5}">
                       <a16:colId xmlns:a16="http://schemas.microsoft.com/office/drawing/2014/main" val="4240773277"/>
@@ -3442,11 +3438,11 @@
                     <a:p>
                       <a:r>
                         <a:rPr lang="en-SG" u="sng" dirty="0"/>
-                        <a:t>ab0:</a:t>
+                        <a:t>cc0:</a:t>
                       </a:r>
                       <a:r>
                         <a:rPr lang="en-SG" sz="1800" u="sng" dirty="0"/>
-                        <a:t>AddressBook</a:t>
+                        <a:t>CardCollection</a:t>
                       </a:r>
                       <a:endParaRPr lang="en-SG" sz="1600" u="sng" dirty="0"/>
                     </a:p>
@@ -3658,14 +3654,14 @@
           <p:nvPr>
             <p:extLst>
               <p:ext uri="{D42A27DB-BD31-4B8C-83A1-F6EECF244321}">
-                <p14:modId xmlns:p14="http://schemas.microsoft.com/office/powerpoint/2010/main" val="2370624015"/>
+                <p14:modId xmlns:p14="http://schemas.microsoft.com/office/powerpoint/2010/main" val="955005086"/>
               </p:ext>
             </p:extLst>
           </p:nvPr>
         </p:nvGraphicFramePr>
         <p:xfrm>
-          <a:off x="2448268" y="3926065"/>
-          <a:ext cx="1833356" cy="410363"/>
+          <a:off x="2511329" y="3926065"/>
+          <a:ext cx="1926000" cy="410363"/>
         </p:xfrm>
         <a:graphic>
           <a:graphicData uri="http://schemas.openxmlformats.org/drawingml/2006/table">
@@ -3674,7 +3670,7 @@
                 <a:tableStyleId>{638B1855-1B75-4FBE-930C-398BA8C253C6}</a:tableStyleId>
               </a:tblPr>
               <a:tblGrid>
-                <a:gridCol w="1833356">
+                <a:gridCol w="1926000">
                   <a:extLst>
                     <a:ext uri="{9D8B030D-6E8A-4147-A177-3AD203B41FA5}">
                       <a16:colId xmlns:a16="http://schemas.microsoft.com/office/drawing/2014/main" val="4240773277"/>
@@ -3690,11 +3686,7 @@
                     <a:p>
                       <a:r>
                         <a:rPr lang="en-SG" u="sng" dirty="0"/>
-                        <a:t>ab1:</a:t>
-                      </a:r>
-                      <a:r>
-                        <a:rPr lang="en-SG" sz="1800" u="sng" dirty="0"/>
-                        <a:t>AddressBook</a:t>
+                        <a:t>cc1:CardCollection</a:t>
                       </a:r>
                       <a:endParaRPr lang="en-SG" sz="1600" u="sng" dirty="0"/>
                     </a:p>
@@ -3726,14 +3718,14 @@
           <p:nvPr>
             <p:extLst>
               <p:ext uri="{D42A27DB-BD31-4B8C-83A1-F6EECF244321}">
-                <p14:modId xmlns:p14="http://schemas.microsoft.com/office/powerpoint/2010/main" val="2523374166"/>
+                <p14:modId xmlns:p14="http://schemas.microsoft.com/office/powerpoint/2010/main" val="2615671675"/>
               </p:ext>
             </p:extLst>
           </p:nvPr>
         </p:nvGraphicFramePr>
         <p:xfrm>
           <a:off x="473240" y="3918002"/>
-          <a:ext cx="1833356" cy="410363"/>
+          <a:ext cx="1926000" cy="410363"/>
         </p:xfrm>
         <a:graphic>
           <a:graphicData uri="http://schemas.openxmlformats.org/drawingml/2006/table">
@@ -3742,7 +3734,7 @@
                 <a:tableStyleId>{638B1855-1B75-4FBE-930C-398BA8C253C6}</a:tableStyleId>
               </a:tblPr>
               <a:tblGrid>
-                <a:gridCol w="1833356">
+                <a:gridCol w="1926000">
                   <a:extLst>
                     <a:ext uri="{9D8B030D-6E8A-4147-A177-3AD203B41FA5}">
                       <a16:colId xmlns:a16="http://schemas.microsoft.com/office/drawing/2014/main" val="4240773277"/>
@@ -3758,11 +3750,7 @@
                     <a:p>
                       <a:r>
                         <a:rPr lang="en-SG" u="sng" dirty="0"/>
-                        <a:t>ab0:</a:t>
-                      </a:r>
-                      <a:r>
-                        <a:rPr lang="en-SG" sz="1800" u="sng" dirty="0"/>
-                        <a:t>AddressBook</a:t>
+                        <a:t>cc0:CardCollection</a:t>
                       </a:r>
                       <a:endParaRPr lang="en-SG" sz="1600" u="sng" dirty="0"/>
                     </a:p>
@@ -3839,7 +3827,7 @@
         </p:nvCxnSpPr>
         <p:spPr>
           <a:xfrm flipV="1">
-            <a:off x="3389152" y="4538708"/>
+            <a:off x="3441702" y="4538708"/>
             <a:ext cx="0" cy="706873"/>
           </a:xfrm>
           <a:prstGeom prst="straightConnector1">

--- a/docs/diagrams/UndoRedoNewCommand1StateListDiagram.pptx
+++ b/docs/diagrams/UndoRedoNewCommand1StateListDiagram.pptx
@@ -3349,118 +3349,6 @@
       </p:grpSpPr>
       <p:sp>
         <p:nvSpPr>
-          <p:cNvPr id="45" name="TextBox 44">
-            <a:extLst>
-              <a:ext uri="{FF2B5EF4-FFF2-40B4-BE49-F238E27FC236}">
-                <a16:creationId xmlns:a16="http://schemas.microsoft.com/office/drawing/2014/main" id="{3151A13B-9509-43FA-BFEB-1D9866A00B84}"/>
-              </a:ext>
-            </a:extLst>
-          </p:cNvPr>
-          <p:cNvSpPr txBox="1"/>
-          <p:nvPr/>
-        </p:nvSpPr>
-        <p:spPr>
-          <a:xfrm>
-            <a:off x="0" y="2760740"/>
-            <a:ext cx="3207000" cy="369332"/>
-          </a:xfrm>
-          <a:prstGeom prst="rect">
-            <a:avLst/>
-          </a:prstGeom>
-          <a:noFill/>
-        </p:spPr>
-        <p:txBody>
-          <a:bodyPr wrap="square" rtlCol="0">
-            <a:spAutoFit/>
-          </a:bodyPr>
-          <a:lstStyle/>
-          <a:p>
-            <a:pPr algn="ctr"/>
-            <a:r>
-              <a:rPr lang="en-SG" dirty="0" err="1">
-                <a:latin typeface="Consolas" panose="020B0609020204030204" pitchFamily="49" charset="0"/>
-              </a:rPr>
-              <a:t>currentStatePointer</a:t>
-            </a:r>
-            <a:r>
-              <a:rPr lang="en-SG" dirty="0">
-                <a:latin typeface="Consolas" panose="020B0609020204030204" pitchFamily="49" charset="0"/>
-              </a:rPr>
-              <a:t> = 0</a:t>
-            </a:r>
-          </a:p>
-        </p:txBody>
-      </p:sp>
-      <p:graphicFrame>
-        <p:nvGraphicFramePr>
-          <p:cNvPr id="13" name="Table 12">
-            <a:extLst>
-              <a:ext uri="{FF2B5EF4-FFF2-40B4-BE49-F238E27FC236}">
-                <a16:creationId xmlns:a16="http://schemas.microsoft.com/office/drawing/2014/main" id="{F545FAB8-F1CE-4886-9BDE-E772BCB0A9C4}"/>
-              </a:ext>
-            </a:extLst>
-          </p:cNvPr>
-          <p:cNvGraphicFramePr>
-            <a:graphicFrameLocks noGrp="1"/>
-          </p:cNvGraphicFramePr>
-          <p:nvPr>
-            <p:extLst>
-              <p:ext uri="{D42A27DB-BD31-4B8C-83A1-F6EECF244321}">
-                <p14:modId xmlns:p14="http://schemas.microsoft.com/office/powerpoint/2010/main" val="655514486"/>
-              </p:ext>
-            </p:extLst>
-          </p:nvPr>
-        </p:nvGraphicFramePr>
-        <p:xfrm>
-          <a:off x="473240" y="1476102"/>
-          <a:ext cx="1926000" cy="410363"/>
-        </p:xfrm>
-        <a:graphic>
-          <a:graphicData uri="http://schemas.openxmlformats.org/drawingml/2006/table">
-            <a:tbl>
-              <a:tblPr>
-                <a:tableStyleId>{638B1855-1B75-4FBE-930C-398BA8C253C6}</a:tableStyleId>
-              </a:tblPr>
-              <a:tblGrid>
-                <a:gridCol w="1926000">
-                  <a:extLst>
-                    <a:ext uri="{9D8B030D-6E8A-4147-A177-3AD203B41FA5}">
-                      <a16:colId xmlns:a16="http://schemas.microsoft.com/office/drawing/2014/main" val="4240773277"/>
-                    </a:ext>
-                  </a:extLst>
-                </a:gridCol>
-              </a:tblGrid>
-              <a:tr h="410363">
-                <a:tc>
-                  <a:txBody>
-                    <a:bodyPr/>
-                    <a:lstStyle/>
-                    <a:p>
-                      <a:r>
-                        <a:rPr lang="en-SG" u="sng" dirty="0"/>
-                        <a:t>cc0:</a:t>
-                      </a:r>
-                      <a:r>
-                        <a:rPr lang="en-SG" sz="1800" u="sng" dirty="0"/>
-                        <a:t>CardCollection</a:t>
-                      </a:r>
-                      <a:endParaRPr lang="en-SG" sz="1600" u="sng" dirty="0"/>
-                    </a:p>
-                  </a:txBody>
-                  <a:tcPr/>
-                </a:tc>
-                <a:extLst>
-                  <a:ext uri="{0D108BD9-81ED-4DB2-BD59-A6C34878D82A}">
-                    <a16:rowId xmlns:a16="http://schemas.microsoft.com/office/drawing/2014/main" val="2194462629"/>
-                  </a:ext>
-                </a:extLst>
-              </a:tr>
-            </a:tbl>
-          </a:graphicData>
-        </a:graphic>
-      </p:graphicFrame>
-      <p:sp>
-        <p:nvSpPr>
           <p:cNvPr id="3" name="Down Arrow 2"/>
           <p:cNvSpPr/>
           <p:nvPr/>
@@ -3505,13 +3393,195 @@
       </p:sp>
       <p:sp>
         <p:nvSpPr>
-          <p:cNvPr id="4" name="Rectangle 3"/>
+          <p:cNvPr id="19" name="TextBox 18">
+            <a:extLst>
+              <a:ext uri="{FF2B5EF4-FFF2-40B4-BE49-F238E27FC236}">
+                <a16:creationId xmlns:a16="http://schemas.microsoft.com/office/drawing/2014/main" id="{3151A13B-9509-43FA-BFEB-1D9866A00B84}"/>
+              </a:ext>
+            </a:extLst>
+          </p:cNvPr>
+          <p:cNvSpPr txBox="1"/>
+          <p:nvPr/>
+        </p:nvSpPr>
+        <p:spPr>
+          <a:xfrm>
+            <a:off x="2052850" y="6067418"/>
+            <a:ext cx="3207000" cy="369332"/>
+          </a:xfrm>
+          <a:prstGeom prst="rect">
+            <a:avLst/>
+          </a:prstGeom>
+          <a:noFill/>
+        </p:spPr>
+        <p:txBody>
+          <a:bodyPr wrap="square" rtlCol="0">
+            <a:spAutoFit/>
+          </a:bodyPr>
+          <a:lstStyle/>
+          <a:p>
+            <a:pPr algn="ctr"/>
+            <a:r>
+              <a:rPr lang="en-SG" dirty="0" err="1">
+                <a:latin typeface="Consolas" panose="020B0609020204030204" pitchFamily="49" charset="0"/>
+              </a:rPr>
+              <a:t>currentStatePointer</a:t>
+            </a:r>
+            <a:r>
+              <a:rPr lang="en-SG" dirty="0">
+                <a:latin typeface="Consolas" panose="020B0609020204030204" pitchFamily="49" charset="0"/>
+              </a:rPr>
+              <a:t> = 1</a:t>
+            </a:r>
+          </a:p>
+        </p:txBody>
+      </p:sp>
+      <p:cxnSp>
+        <p:nvCxnSpPr>
+          <p:cNvPr id="16" name="Straight Arrow Connector 15">
+            <a:extLst>
+              <a:ext uri="{FF2B5EF4-FFF2-40B4-BE49-F238E27FC236}">
+                <a16:creationId xmlns:a16="http://schemas.microsoft.com/office/drawing/2014/main" id="{0C07500F-40C6-444B-B521-89577F312910}"/>
+              </a:ext>
+            </a:extLst>
+          </p:cNvPr>
+          <p:cNvCxnSpPr>
+            <a:cxnSpLocks/>
+          </p:cNvCxnSpPr>
+          <p:nvPr/>
+        </p:nvCxnSpPr>
+        <p:spPr>
+          <a:xfrm flipV="1">
+            <a:off x="3527538" y="5360545"/>
+            <a:ext cx="0" cy="706873"/>
+          </a:xfrm>
+          <a:prstGeom prst="straightConnector1">
+            <a:avLst/>
+          </a:prstGeom>
+          <a:ln>
+            <a:solidFill>
+              <a:srgbClr val="C00000"/>
+            </a:solidFill>
+            <a:tailEnd type="triangle"/>
+          </a:ln>
+        </p:spPr>
+        <p:style>
+          <a:lnRef idx="1">
+            <a:schemeClr val="accent1"/>
+          </a:lnRef>
+          <a:fillRef idx="0">
+            <a:schemeClr val="accent1"/>
+          </a:fillRef>
+          <a:effectRef idx="0">
+            <a:schemeClr val="accent1"/>
+          </a:effectRef>
+          <a:fontRef idx="minor">
+            <a:schemeClr val="tx1"/>
+          </a:fontRef>
+        </p:style>
+      </p:cxnSp>
+      <p:sp>
+        <p:nvSpPr>
+          <p:cNvPr id="24" name="TextBox 23">
+            <a:extLst>
+              <a:ext uri="{FF2B5EF4-FFF2-40B4-BE49-F238E27FC236}">
+                <a16:creationId xmlns:a16="http://schemas.microsoft.com/office/drawing/2014/main" id="{EF0E6FB7-9F4F-FA4B-8F00-EE639431BBF5}"/>
+              </a:ext>
+            </a:extLst>
+          </p:cNvPr>
+          <p:cNvSpPr txBox="1"/>
+          <p:nvPr/>
+        </p:nvSpPr>
+        <p:spPr>
+          <a:xfrm>
+            <a:off x="108443" y="2888309"/>
+            <a:ext cx="3207000" cy="369332"/>
+          </a:xfrm>
+          <a:prstGeom prst="rect">
+            <a:avLst/>
+          </a:prstGeom>
+          <a:noFill/>
+        </p:spPr>
+        <p:txBody>
+          <a:bodyPr wrap="square" rtlCol="0">
+            <a:spAutoFit/>
+          </a:bodyPr>
+          <a:lstStyle/>
+          <a:p>
+            <a:pPr algn="ctr"/>
+            <a:r>
+              <a:rPr lang="en-SG" dirty="0" err="1">
+                <a:latin typeface="Consolas" panose="020B0609020204030204" pitchFamily="49" charset="0"/>
+              </a:rPr>
+              <a:t>currentStatePointer</a:t>
+            </a:r>
+            <a:r>
+              <a:rPr lang="en-SG" dirty="0">
+                <a:latin typeface="Consolas" panose="020B0609020204030204" pitchFamily="49" charset="0"/>
+              </a:rPr>
+              <a:t> = 0</a:t>
+            </a:r>
+          </a:p>
+        </p:txBody>
+      </p:sp>
+      <p:cxnSp>
+        <p:nvCxnSpPr>
+          <p:cNvPr id="28" name="Straight Arrow Connector 27">
+            <a:extLst>
+              <a:ext uri="{FF2B5EF4-FFF2-40B4-BE49-F238E27FC236}">
+                <a16:creationId xmlns:a16="http://schemas.microsoft.com/office/drawing/2014/main" id="{499DD2D6-DA54-8442-A710-B9A72214D13C}"/>
+              </a:ext>
+            </a:extLst>
+          </p:cNvPr>
+          <p:cNvCxnSpPr>
+            <a:cxnSpLocks/>
+          </p:cNvCxnSpPr>
+          <p:nvPr/>
+        </p:nvCxnSpPr>
+        <p:spPr>
+          <a:xfrm flipV="1">
+            <a:off x="1520816" y="2181436"/>
+            <a:ext cx="0" cy="706873"/>
+          </a:xfrm>
+          <a:prstGeom prst="straightConnector1">
+            <a:avLst/>
+          </a:prstGeom>
+          <a:ln>
+            <a:solidFill>
+              <a:srgbClr val="C00000"/>
+            </a:solidFill>
+            <a:tailEnd type="triangle"/>
+          </a:ln>
+        </p:spPr>
+        <p:style>
+          <a:lnRef idx="1">
+            <a:schemeClr val="accent1"/>
+          </a:lnRef>
+          <a:fillRef idx="0">
+            <a:schemeClr val="accent1"/>
+          </a:fillRef>
+          <a:effectRef idx="0">
+            <a:schemeClr val="accent1"/>
+          </a:effectRef>
+          <a:fontRef idx="minor">
+            <a:schemeClr val="tx1"/>
+          </a:fontRef>
+        </p:style>
+      </p:cxnSp>
+      <p:sp>
+        <p:nvSpPr>
+          <p:cNvPr id="41" name="Rectangle 40">
+            <a:extLst>
+              <a:ext uri="{FF2B5EF4-FFF2-40B4-BE49-F238E27FC236}">
+                <a16:creationId xmlns:a16="http://schemas.microsoft.com/office/drawing/2014/main" id="{0B83F981-8CC7-5F46-80BF-2BCD1032DE51}"/>
+              </a:ext>
+            </a:extLst>
+          </p:cNvPr>
           <p:cNvSpPr/>
           <p:nvPr/>
         </p:nvSpPr>
         <p:spPr>
           <a:xfrm>
-            <a:off x="364797" y="1375953"/>
+            <a:off x="413657" y="3823198"/>
             <a:ext cx="11364686" cy="618187"/>
           </a:xfrm>
           <a:prstGeom prst="rect">
@@ -3549,59 +3619,165 @@
           </a:p>
         </p:txBody>
       </p:sp>
-      <p:sp>
-        <p:nvSpPr>
-          <p:cNvPr id="19" name="TextBox 18">
-            <a:extLst>
-              <a:ext uri="{FF2B5EF4-FFF2-40B4-BE49-F238E27FC236}">
-                <a16:creationId xmlns:a16="http://schemas.microsoft.com/office/drawing/2014/main" id="{3151A13B-9509-43FA-BFEB-1D9866A00B84}"/>
-              </a:ext>
-            </a:extLst>
-          </p:cNvPr>
-          <p:cNvSpPr txBox="1"/>
+      <p:graphicFrame>
+        <p:nvGraphicFramePr>
+          <p:cNvPr id="42" name="Table 41">
+            <a:extLst>
+              <a:ext uri="{FF2B5EF4-FFF2-40B4-BE49-F238E27FC236}">
+                <a16:creationId xmlns:a16="http://schemas.microsoft.com/office/drawing/2014/main" id="{AF9EE626-BF30-2D4C-B677-DF210751A95F}"/>
+              </a:ext>
+            </a:extLst>
+          </p:cNvPr>
+          <p:cNvGraphicFramePr>
+            <a:graphicFrameLocks noGrp="1"/>
+          </p:cNvGraphicFramePr>
+          <p:nvPr>
+            <p:extLst>
+              <p:ext uri="{D42A27DB-BD31-4B8C-83A1-F6EECF244321}">
+                <p14:modId xmlns:p14="http://schemas.microsoft.com/office/powerpoint/2010/main" val="1995988261"/>
+              </p:ext>
+            </p:extLst>
+          </p:nvPr>
+        </p:nvGraphicFramePr>
+        <p:xfrm>
+          <a:off x="2557089" y="3919317"/>
+          <a:ext cx="1926000" cy="410363"/>
+        </p:xfrm>
+        <a:graphic>
+          <a:graphicData uri="http://schemas.openxmlformats.org/drawingml/2006/table">
+            <a:tbl>
+              <a:tblPr>
+                <a:tableStyleId>{638B1855-1B75-4FBE-930C-398BA8C253C6}</a:tableStyleId>
+              </a:tblPr>
+              <a:tblGrid>
+                <a:gridCol w="1926000">
+                  <a:extLst>
+                    <a:ext uri="{9D8B030D-6E8A-4147-A177-3AD203B41FA5}">
+                      <a16:colId xmlns:a16="http://schemas.microsoft.com/office/drawing/2014/main" val="4240773277"/>
+                    </a:ext>
+                  </a:extLst>
+                </a:gridCol>
+              </a:tblGrid>
+              <a:tr h="410363">
+                <a:tc>
+                  <a:txBody>
+                    <a:bodyPr/>
+                    <a:lstStyle/>
+                    <a:p>
+                      <a:pPr algn="ctr"/>
+                      <a:r>
+                        <a:rPr lang="en-SG" u="sng" dirty="0"/>
+                        <a:t>ch1:String</a:t>
+                      </a:r>
+                      <a:endParaRPr lang="en-SG" sz="1600" u="sng" dirty="0"/>
+                    </a:p>
+                  </a:txBody>
+                  <a:tcPr>
+                    <a:solidFill>
+                      <a:schemeClr val="accent5">
+                        <a:lumMod val="60000"/>
+                        <a:lumOff val="40000"/>
+                      </a:schemeClr>
+                    </a:solidFill>
+                  </a:tcPr>
+                </a:tc>
+                <a:extLst>
+                  <a:ext uri="{0D108BD9-81ED-4DB2-BD59-A6C34878D82A}">
+                    <a16:rowId xmlns:a16="http://schemas.microsoft.com/office/drawing/2014/main" val="2194462629"/>
+                  </a:ext>
+                </a:extLst>
+              </a:tr>
+            </a:tbl>
+          </a:graphicData>
+        </a:graphic>
+      </p:graphicFrame>
+      <p:graphicFrame>
+        <p:nvGraphicFramePr>
+          <p:cNvPr id="43" name="Table 42">
+            <a:extLst>
+              <a:ext uri="{FF2B5EF4-FFF2-40B4-BE49-F238E27FC236}">
+                <a16:creationId xmlns:a16="http://schemas.microsoft.com/office/drawing/2014/main" id="{07BA835E-C841-9344-8850-DAE6AC33B2AB}"/>
+              </a:ext>
+            </a:extLst>
+          </p:cNvPr>
+          <p:cNvGraphicFramePr>
+            <a:graphicFrameLocks noGrp="1"/>
+          </p:cNvGraphicFramePr>
+          <p:nvPr>
+            <p:extLst>
+              <p:ext uri="{D42A27DB-BD31-4B8C-83A1-F6EECF244321}">
+                <p14:modId xmlns:p14="http://schemas.microsoft.com/office/powerpoint/2010/main" val="2337774947"/>
+              </p:ext>
+            </p:extLst>
+          </p:nvPr>
+        </p:nvGraphicFramePr>
+        <p:xfrm>
+          <a:off x="518077" y="3912844"/>
+          <a:ext cx="1907416" cy="410363"/>
+        </p:xfrm>
+        <a:graphic>
+          <a:graphicData uri="http://schemas.openxmlformats.org/drawingml/2006/table">
+            <a:tbl>
+              <a:tblPr>
+                <a:tableStyleId>{638B1855-1B75-4FBE-930C-398BA8C253C6}</a:tableStyleId>
+              </a:tblPr>
+              <a:tblGrid>
+                <a:gridCol w="1907416">
+                  <a:extLst>
+                    <a:ext uri="{9D8B030D-6E8A-4147-A177-3AD203B41FA5}">
+                      <a16:colId xmlns:a16="http://schemas.microsoft.com/office/drawing/2014/main" val="4240773277"/>
+                    </a:ext>
+                  </a:extLst>
+                </a:gridCol>
+              </a:tblGrid>
+              <a:tr h="410363">
+                <a:tc>
+                  <a:txBody>
+                    <a:bodyPr/>
+                    <a:lstStyle/>
+                    <a:p>
+                      <a:pPr algn="ctr"/>
+                      <a:r>
+                        <a:rPr lang="en-SG" u="sng" dirty="0"/>
+                        <a:t>ch0:String</a:t>
+                      </a:r>
+                      <a:endParaRPr lang="en-SG" sz="1600" u="sng" dirty="0"/>
+                    </a:p>
+                  </a:txBody>
+                  <a:tcPr>
+                    <a:solidFill>
+                      <a:schemeClr val="accent5">
+                        <a:lumMod val="60000"/>
+                        <a:lumOff val="40000"/>
+                      </a:schemeClr>
+                    </a:solidFill>
+                  </a:tcPr>
+                </a:tc>
+                <a:extLst>
+                  <a:ext uri="{0D108BD9-81ED-4DB2-BD59-A6C34878D82A}">
+                    <a16:rowId xmlns:a16="http://schemas.microsoft.com/office/drawing/2014/main" val="2194462629"/>
+                  </a:ext>
+                </a:extLst>
+              </a:tr>
+            </a:tbl>
+          </a:graphicData>
+        </a:graphic>
+      </p:graphicFrame>
+      <p:sp>
+        <p:nvSpPr>
+          <p:cNvPr id="44" name="Rectangle 43">
+            <a:extLst>
+              <a:ext uri="{FF2B5EF4-FFF2-40B4-BE49-F238E27FC236}">
+                <a16:creationId xmlns:a16="http://schemas.microsoft.com/office/drawing/2014/main" id="{E80DB64B-DD63-764E-82A9-A979C4C49783}"/>
+              </a:ext>
+            </a:extLst>
+          </p:cNvPr>
+          <p:cNvSpPr/>
           <p:nvPr/>
         </p:nvSpPr>
         <p:spPr>
           <a:xfrm>
-            <a:off x="1967014" y="5245581"/>
-            <a:ext cx="3207000" cy="369332"/>
-          </a:xfrm>
-          <a:prstGeom prst="rect">
-            <a:avLst/>
-          </a:prstGeom>
-          <a:noFill/>
-        </p:spPr>
-        <p:txBody>
-          <a:bodyPr wrap="square" rtlCol="0">
-            <a:spAutoFit/>
-          </a:bodyPr>
-          <a:lstStyle/>
-          <a:p>
-            <a:pPr algn="ctr"/>
-            <a:r>
-              <a:rPr lang="en-SG" dirty="0" err="1">
-                <a:latin typeface="Consolas" panose="020B0609020204030204" pitchFamily="49" charset="0"/>
-              </a:rPr>
-              <a:t>currentStatePointer</a:t>
-            </a:r>
-            <a:r>
-              <a:rPr lang="en-SG" dirty="0">
-                <a:latin typeface="Consolas" panose="020B0609020204030204" pitchFamily="49" charset="0"/>
-              </a:rPr>
-              <a:t> = 1</a:t>
-            </a:r>
-          </a:p>
-        </p:txBody>
-      </p:sp>
-      <p:sp>
-        <p:nvSpPr>
-          <p:cNvPr id="27" name="Rectangle 26"/>
-          <p:cNvSpPr/>
-          <p:nvPr/>
-        </p:nvSpPr>
-        <p:spPr>
-          <a:xfrm>
-            <a:off x="387404" y="3838574"/>
+            <a:off x="413657" y="4606792"/>
             <a:ext cx="11364686" cy="593918"/>
           </a:xfrm>
           <a:prstGeom prst="rect">
@@ -3641,10 +3817,10 @@
       </p:sp>
       <p:graphicFrame>
         <p:nvGraphicFramePr>
-          <p:cNvPr id="12" name="Table 11">
-            <a:extLst>
-              <a:ext uri="{FF2B5EF4-FFF2-40B4-BE49-F238E27FC236}">
-                <a16:creationId xmlns:a16="http://schemas.microsoft.com/office/drawing/2014/main" id="{F545FAB8-F1CE-4886-9BDE-E772BCB0A9C4}"/>
+          <p:cNvPr id="46" name="Table 45">
+            <a:extLst>
+              <a:ext uri="{FF2B5EF4-FFF2-40B4-BE49-F238E27FC236}">
+                <a16:creationId xmlns:a16="http://schemas.microsoft.com/office/drawing/2014/main" id="{0AFFD0C5-9EC2-B042-B5B4-FD47CBFBCB7B}"/>
               </a:ext>
             </a:extLst>
           </p:cNvPr>
@@ -3654,14 +3830,14 @@
           <p:nvPr>
             <p:extLst>
               <p:ext uri="{D42A27DB-BD31-4B8C-83A1-F6EECF244321}">
-                <p14:modId xmlns:p14="http://schemas.microsoft.com/office/powerpoint/2010/main" val="955005086"/>
+                <p14:modId xmlns:p14="http://schemas.microsoft.com/office/powerpoint/2010/main" val="902447024"/>
               </p:ext>
             </p:extLst>
           </p:nvPr>
         </p:nvGraphicFramePr>
         <p:xfrm>
-          <a:off x="2511329" y="3926065"/>
-          <a:ext cx="1926000" cy="410363"/>
+          <a:off x="2538505" y="4676668"/>
+          <a:ext cx="1926000" cy="417888"/>
         </p:xfrm>
         <a:graphic>
           <a:graphicData uri="http://schemas.openxmlformats.org/drawingml/2006/table">
@@ -3678,7 +3854,7 @@
                   </a:extLst>
                 </a:gridCol>
               </a:tblGrid>
-              <a:tr h="410363">
+              <a:tr h="417888">
                 <a:tc>
                   <a:txBody>
                     <a:bodyPr/>
@@ -3705,10 +3881,10 @@
       </p:graphicFrame>
       <p:graphicFrame>
         <p:nvGraphicFramePr>
-          <p:cNvPr id="15" name="Table 14">
-            <a:extLst>
-              <a:ext uri="{FF2B5EF4-FFF2-40B4-BE49-F238E27FC236}">
-                <a16:creationId xmlns:a16="http://schemas.microsoft.com/office/drawing/2014/main" id="{F545FAB8-F1CE-4886-9BDE-E772BCB0A9C4}"/>
+          <p:cNvPr id="47" name="Table 46">
+            <a:extLst>
+              <a:ext uri="{FF2B5EF4-FFF2-40B4-BE49-F238E27FC236}">
+                <a16:creationId xmlns:a16="http://schemas.microsoft.com/office/drawing/2014/main" id="{59767B3C-099E-6E4A-94DA-9A6D8D0180DE}"/>
               </a:ext>
             </a:extLst>
           </p:cNvPr>
@@ -3718,14 +3894,14 @@
           <p:nvPr>
             <p:extLst>
               <p:ext uri="{D42A27DB-BD31-4B8C-83A1-F6EECF244321}">
-                <p14:modId xmlns:p14="http://schemas.microsoft.com/office/powerpoint/2010/main" val="2615671675"/>
+                <p14:modId xmlns:p14="http://schemas.microsoft.com/office/powerpoint/2010/main" val="907083629"/>
               </p:ext>
             </p:extLst>
           </p:nvPr>
         </p:nvGraphicFramePr>
         <p:xfrm>
-          <a:off x="473240" y="3918002"/>
-          <a:ext cx="1926000" cy="410363"/>
+          <a:off x="499493" y="4676668"/>
+          <a:ext cx="1926000" cy="417888"/>
         </p:xfrm>
         <a:graphic>
           <a:graphicData uri="http://schemas.openxmlformats.org/drawingml/2006/table">
@@ -3742,7 +3918,7 @@
                   </a:extLst>
                 </a:gridCol>
               </a:tblGrid>
-              <a:tr h="410363">
+              <a:tr h="417888">
                 <a:tc>
                   <a:txBody>
                     <a:bodyPr/>
@@ -3767,94 +3943,246 @@
           </a:graphicData>
         </a:graphic>
       </p:graphicFrame>
-      <p:cxnSp>
-        <p:nvCxnSpPr>
-          <p:cNvPr id="14" name="Straight Arrow Connector 13">
-            <a:extLst>
-              <a:ext uri="{FF2B5EF4-FFF2-40B4-BE49-F238E27FC236}">
-                <a16:creationId xmlns:a16="http://schemas.microsoft.com/office/drawing/2014/main" id="{4E562EDA-12B3-44FD-8B44-BCF3C4356EB8}"/>
-              </a:ext>
-            </a:extLst>
-          </p:cNvPr>
-          <p:cNvCxnSpPr>
-            <a:cxnSpLocks/>
-          </p:cNvCxnSpPr>
+      <p:sp>
+        <p:nvSpPr>
+          <p:cNvPr id="48" name="Rectangle 47">
+            <a:extLst>
+              <a:ext uri="{FF2B5EF4-FFF2-40B4-BE49-F238E27FC236}">
+                <a16:creationId xmlns:a16="http://schemas.microsoft.com/office/drawing/2014/main" id="{141B1E86-AB3F-284A-AABF-9FFB035DF1C7}"/>
+              </a:ext>
+            </a:extLst>
+          </p:cNvPr>
+          <p:cNvSpPr/>
           <p:nvPr/>
-        </p:nvCxnSpPr>
+        </p:nvSpPr>
         <p:spPr>
-          <a:xfrm flipV="1">
-            <a:off x="1409350" y="2053867"/>
-            <a:ext cx="0" cy="706873"/>
+          <a:xfrm>
+            <a:off x="413657" y="410323"/>
+            <a:ext cx="11364686" cy="618187"/>
           </a:xfrm>
-          <a:prstGeom prst="straightConnector1">
+          <a:prstGeom prst="rect">
             <a:avLst/>
           </a:prstGeom>
+          <a:noFill/>
           <a:ln>
             <a:solidFill>
-              <a:srgbClr val="C00000"/>
+              <a:schemeClr val="tx1"/>
             </a:solidFill>
-            <a:tailEnd type="triangle"/>
           </a:ln>
         </p:spPr>
         <p:style>
-          <a:lnRef idx="1">
-            <a:schemeClr val="accent1"/>
+          <a:lnRef idx="2">
+            <a:schemeClr val="accent1">
+              <a:shade val="50000"/>
+            </a:schemeClr>
           </a:lnRef>
-          <a:fillRef idx="0">
+          <a:fillRef idx="1">
             <a:schemeClr val="accent1"/>
           </a:fillRef>
           <a:effectRef idx="0">
             <a:schemeClr val="accent1"/>
           </a:effectRef>
           <a:fontRef idx="minor">
-            <a:schemeClr val="tx1"/>
+            <a:schemeClr val="lt1"/>
           </a:fontRef>
         </p:style>
-      </p:cxnSp>
-      <p:cxnSp>
-        <p:nvCxnSpPr>
-          <p:cNvPr id="16" name="Straight Arrow Connector 15">
-            <a:extLst>
-              <a:ext uri="{FF2B5EF4-FFF2-40B4-BE49-F238E27FC236}">
-                <a16:creationId xmlns:a16="http://schemas.microsoft.com/office/drawing/2014/main" id="{0C07500F-40C6-444B-B521-89577F312910}"/>
-              </a:ext>
-            </a:extLst>
-          </p:cNvPr>
-          <p:cNvCxnSpPr>
-            <a:cxnSpLocks/>
-          </p:cNvCxnSpPr>
+        <p:txBody>
+          <a:bodyPr rtlCol="0" anchor="ctr"/>
+          <a:lstStyle/>
+          <a:p>
+            <a:pPr algn="ctr"/>
+            <a:endParaRPr lang="en-US"/>
+          </a:p>
+        </p:txBody>
+      </p:sp>
+      <p:graphicFrame>
+        <p:nvGraphicFramePr>
+          <p:cNvPr id="50" name="Table 49">
+            <a:extLst>
+              <a:ext uri="{FF2B5EF4-FFF2-40B4-BE49-F238E27FC236}">
+                <a16:creationId xmlns:a16="http://schemas.microsoft.com/office/drawing/2014/main" id="{69EA0049-8E8E-8B4D-BF68-88213523F9F9}"/>
+              </a:ext>
+            </a:extLst>
+          </p:cNvPr>
+          <p:cNvGraphicFramePr>
+            <a:graphicFrameLocks noGrp="1"/>
+          </p:cNvGraphicFramePr>
+          <p:nvPr>
+            <p:extLst>
+              <p:ext uri="{D42A27DB-BD31-4B8C-83A1-F6EECF244321}">
+                <p14:modId xmlns:p14="http://schemas.microsoft.com/office/powerpoint/2010/main" val="3161895704"/>
+              </p:ext>
+            </p:extLst>
+          </p:nvPr>
+        </p:nvGraphicFramePr>
+        <p:xfrm>
+          <a:off x="518077" y="499969"/>
+          <a:ext cx="1907416" cy="410363"/>
+        </p:xfrm>
+        <a:graphic>
+          <a:graphicData uri="http://schemas.openxmlformats.org/drawingml/2006/table">
+            <a:tbl>
+              <a:tblPr>
+                <a:tableStyleId>{638B1855-1B75-4FBE-930C-398BA8C253C6}</a:tableStyleId>
+              </a:tblPr>
+              <a:tblGrid>
+                <a:gridCol w="1907416">
+                  <a:extLst>
+                    <a:ext uri="{9D8B030D-6E8A-4147-A177-3AD203B41FA5}">
+                      <a16:colId xmlns:a16="http://schemas.microsoft.com/office/drawing/2014/main" val="4240773277"/>
+                    </a:ext>
+                  </a:extLst>
+                </a:gridCol>
+              </a:tblGrid>
+              <a:tr h="410363">
+                <a:tc>
+                  <a:txBody>
+                    <a:bodyPr/>
+                    <a:lstStyle/>
+                    <a:p>
+                      <a:pPr algn="ctr"/>
+                      <a:r>
+                        <a:rPr lang="en-SG" u="sng" dirty="0"/>
+                        <a:t>ch0:String</a:t>
+                      </a:r>
+                      <a:endParaRPr lang="en-SG" sz="1600" u="sng" dirty="0"/>
+                    </a:p>
+                  </a:txBody>
+                  <a:tcPr>
+                    <a:solidFill>
+                      <a:schemeClr val="accent5">
+                        <a:lumMod val="60000"/>
+                        <a:lumOff val="40000"/>
+                      </a:schemeClr>
+                    </a:solidFill>
+                  </a:tcPr>
+                </a:tc>
+                <a:extLst>
+                  <a:ext uri="{0D108BD9-81ED-4DB2-BD59-A6C34878D82A}">
+                    <a16:rowId xmlns:a16="http://schemas.microsoft.com/office/drawing/2014/main" val="2194462629"/>
+                  </a:ext>
+                </a:extLst>
+              </a:tr>
+            </a:tbl>
+          </a:graphicData>
+        </a:graphic>
+      </p:graphicFrame>
+      <p:sp>
+        <p:nvSpPr>
+          <p:cNvPr id="51" name="Rectangle 50">
+            <a:extLst>
+              <a:ext uri="{FF2B5EF4-FFF2-40B4-BE49-F238E27FC236}">
+                <a16:creationId xmlns:a16="http://schemas.microsoft.com/office/drawing/2014/main" id="{589C9DDB-20FC-D144-A023-1E7675B4A4D0}"/>
+              </a:ext>
+            </a:extLst>
+          </p:cNvPr>
+          <p:cNvSpPr/>
           <p:nvPr/>
-        </p:nvCxnSpPr>
+        </p:nvSpPr>
         <p:spPr>
-          <a:xfrm flipV="1">
-            <a:off x="3441702" y="4538708"/>
-            <a:ext cx="0" cy="706873"/>
+          <a:xfrm>
+            <a:off x="405988" y="1218186"/>
+            <a:ext cx="11364686" cy="593918"/>
           </a:xfrm>
-          <a:prstGeom prst="straightConnector1">
+          <a:prstGeom prst="rect">
             <a:avLst/>
           </a:prstGeom>
+          <a:noFill/>
           <a:ln>
             <a:solidFill>
-              <a:srgbClr val="C00000"/>
+              <a:schemeClr val="tx1"/>
             </a:solidFill>
-            <a:tailEnd type="triangle"/>
           </a:ln>
         </p:spPr>
         <p:style>
-          <a:lnRef idx="1">
-            <a:schemeClr val="accent1"/>
+          <a:lnRef idx="2">
+            <a:schemeClr val="accent1">
+              <a:shade val="50000"/>
+            </a:schemeClr>
           </a:lnRef>
-          <a:fillRef idx="0">
+          <a:fillRef idx="1">
             <a:schemeClr val="accent1"/>
           </a:fillRef>
           <a:effectRef idx="0">
             <a:schemeClr val="accent1"/>
           </a:effectRef>
           <a:fontRef idx="minor">
-            <a:schemeClr val="tx1"/>
+            <a:schemeClr val="lt1"/>
           </a:fontRef>
         </p:style>
-      </p:cxnSp>
+        <p:txBody>
+          <a:bodyPr rtlCol="0" anchor="ctr"/>
+          <a:lstStyle/>
+          <a:p>
+            <a:pPr algn="ctr"/>
+            <a:endParaRPr lang="en-US"/>
+          </a:p>
+        </p:txBody>
+      </p:sp>
+      <p:graphicFrame>
+        <p:nvGraphicFramePr>
+          <p:cNvPr id="53" name="Table 52">
+            <a:extLst>
+              <a:ext uri="{FF2B5EF4-FFF2-40B4-BE49-F238E27FC236}">
+                <a16:creationId xmlns:a16="http://schemas.microsoft.com/office/drawing/2014/main" id="{0D231ABD-02FF-9A4D-9A0D-D9820C0BA17F}"/>
+              </a:ext>
+            </a:extLst>
+          </p:cNvPr>
+          <p:cNvGraphicFramePr>
+            <a:graphicFrameLocks noGrp="1"/>
+          </p:cNvGraphicFramePr>
+          <p:nvPr>
+            <p:extLst>
+              <p:ext uri="{D42A27DB-BD31-4B8C-83A1-F6EECF244321}">
+                <p14:modId xmlns:p14="http://schemas.microsoft.com/office/powerpoint/2010/main" val="3693059052"/>
+              </p:ext>
+            </p:extLst>
+          </p:nvPr>
+        </p:nvGraphicFramePr>
+        <p:xfrm>
+          <a:off x="491824" y="1288062"/>
+          <a:ext cx="1926000" cy="417888"/>
+        </p:xfrm>
+        <a:graphic>
+          <a:graphicData uri="http://schemas.openxmlformats.org/drawingml/2006/table">
+            <a:tbl>
+              <a:tblPr>
+                <a:tableStyleId>{638B1855-1B75-4FBE-930C-398BA8C253C6}</a:tableStyleId>
+              </a:tblPr>
+              <a:tblGrid>
+                <a:gridCol w="1926000">
+                  <a:extLst>
+                    <a:ext uri="{9D8B030D-6E8A-4147-A177-3AD203B41FA5}">
+                      <a16:colId xmlns:a16="http://schemas.microsoft.com/office/drawing/2014/main" val="4240773277"/>
+                    </a:ext>
+                  </a:extLst>
+                </a:gridCol>
+              </a:tblGrid>
+              <a:tr h="417888">
+                <a:tc>
+                  <a:txBody>
+                    <a:bodyPr/>
+                    <a:lstStyle/>
+                    <a:p>
+                      <a:r>
+                        <a:rPr lang="en-SG" u="sng" dirty="0"/>
+                        <a:t>cc0:CardCollection</a:t>
+                      </a:r>
+                      <a:endParaRPr lang="en-SG" sz="1600" u="sng" dirty="0"/>
+                    </a:p>
+                  </a:txBody>
+                  <a:tcPr/>
+                </a:tc>
+                <a:extLst>
+                  <a:ext uri="{0D108BD9-81ED-4DB2-BD59-A6C34878D82A}">
+                    <a16:rowId xmlns:a16="http://schemas.microsoft.com/office/drawing/2014/main" val="2194462629"/>
+                  </a:ext>
+                </a:extLst>
+              </a:tr>
+            </a:tbl>
+          </a:graphicData>
+        </a:graphic>
+      </p:graphicFrame>
     </p:spTree>
     <p:extLst>
       <p:ext uri="{BB962C8B-B14F-4D97-AF65-F5344CB8AC3E}">
